--- a/reference_material/slides/021_cards_3.pptx
+++ b/reference_material/slides/021_cards_3.pptx
@@ -7605,10 +7605,10 @@
       </p:sp>
       <p:pic>
         <p:nvPicPr>
-          <p:cNvPr id="2050" name="Picture 2" descr="Introduction to MVC (Model-View-Controller) | InMotion Hosting">
+          <p:cNvPr id="2052" name="Picture 4" descr="MVC architecture - Learning Python Application Development [Book]">
             <a:extLst>
               <a:ext uri="{FF2B5EF4-FFF2-40B4-BE49-F238E27FC236}">
-                <a16:creationId xmlns:a16="http://schemas.microsoft.com/office/drawing/2014/main" id="{BE057AC6-A77A-5C8B-9293-8715642B3973}"/>
+                <a16:creationId xmlns:a16="http://schemas.microsoft.com/office/drawing/2014/main" id="{6D496173-2433-E4E2-433B-3736D2E44BF6}"/>
               </a:ext>
             </a:extLst>
           </p:cNvPr>
@@ -7632,8 +7632,8 @@
         </p:blipFill>
         <p:spPr bwMode="auto">
           <a:xfrm>
-            <a:off x="0" y="225425"/>
-            <a:ext cx="12192000" cy="6405563"/>
+            <a:off x="1258529" y="51031"/>
+            <a:ext cx="9796325" cy="6840697"/>
           </a:xfrm>
           <a:prstGeom prst="rect">
             <a:avLst/>
@@ -7797,21 +7797,8 @@
             <a:pPr lvl="1"/>
             <a:r>
               <a:rPr lang="en-US" dirty="0"/>
-              <a:t>The only change if we want a GUI is the view </a:t>
-            </a:r>
-            <a:r>
-              <a:rPr lang="en-US"/>
-              <a:t>presents differently </a:t>
-            </a:r>
-            <a:r>
-              <a:rPr lang="en-US" dirty="0"/>
-              <a:t>and the </a:t>
-            </a:r>
-            <a:r>
-              <a:rPr lang="en-US"/>
-              <a:t>controller inputs diff.</a:t>
-            </a:r>
-            <a:endParaRPr lang="en-US" dirty="0"/>
+              <a:t>The only change if we want a GUI is the view presents differently and the controller inputs diff.</a:t>
+            </a:r>
           </a:p>
         </p:txBody>
       </p:sp>

--- a/reference_material/slides/021_cards_3.pptx
+++ b/reference_material/slides/021_cards_3.pptx
@@ -38,9 +38,11 @@
     <p:sldId id="264" r:id="rId32"/>
     <p:sldId id="265" r:id="rId33"/>
     <p:sldId id="291" r:id="rId34"/>
-    <p:sldId id="292" r:id="rId35"/>
-    <p:sldId id="266" r:id="rId36"/>
-    <p:sldId id="276" r:id="rId37"/>
+    <p:sldId id="293" r:id="rId35"/>
+    <p:sldId id="294" r:id="rId36"/>
+    <p:sldId id="292" r:id="rId37"/>
+    <p:sldId id="266" r:id="rId38"/>
+    <p:sldId id="276" r:id="rId39"/>
   </p:sldIdLst>
   <p:sldSz cx="12192000" cy="6858000"/>
   <p:notesSz cx="6858000" cy="9144000"/>
@@ -3716,45 +3718,20 @@
           <a:p>
             <a:r>
               <a:rPr lang="en-US" dirty="0"/>
-              <a:t>It’s finally (almost) over!!!!!!!!!!!!</a:t>
-            </a:r>
-          </a:p>
-          <a:p>
-            <a:r>
-              <a:rPr lang="en-US" dirty="0"/>
-              <a:t>Next time is a test, yay!</a:t>
-            </a:r>
-          </a:p>
-          <a:p>
-            <a:r>
-              <a:rPr lang="en-US" dirty="0"/>
-              <a:t>Lab 6:</a:t>
-            </a:r>
-          </a:p>
-          <a:p>
-            <a:pPr lvl="1"/>
-            <a:r>
-              <a:rPr lang="en-US" dirty="0"/>
-              <a:t>Sample solution is up. </a:t>
-            </a:r>
-          </a:p>
-          <a:p>
-            <a:pPr lvl="1"/>
-            <a:r>
-              <a:rPr lang="en-US" dirty="0"/>
-              <a:t>This one takes a while to mark, I might finish tonight. Looks good so far. </a:t>
-            </a:r>
-          </a:p>
-          <a:p>
-            <a:r>
-              <a:rPr lang="en-US" dirty="0"/>
-              <a:t>Assignment – ask if you have any questions. </a:t>
-            </a:r>
-          </a:p>
-          <a:p>
-            <a:r>
-              <a:rPr lang="en-US" dirty="0"/>
-              <a:t>Today - Refactoring, APIs, more GUIs:</a:t>
+              <a:t>Some assignment stuff:</a:t>
+            </a:r>
+          </a:p>
+          <a:p>
+            <a:pPr lvl="1"/>
+            <a:r>
+              <a:rPr lang="en-US" dirty="0"/>
+              <a:t>Old one is marked, new one is up. </a:t>
+            </a:r>
+          </a:p>
+          <a:p>
+            <a:r>
+              <a:rPr lang="en-US" dirty="0"/>
+              <a:t>Today - Refactoring, APIs, design patterns:</a:t>
             </a:r>
           </a:p>
           <a:p>
@@ -3764,38 +3741,35 @@
               <a:t>Simple topics and examples. </a:t>
             </a:r>
           </a:p>
-        </p:txBody>
-      </p:sp>
-      <p:pic>
-        <p:nvPicPr>
-          <p:cNvPr id="4" name="Picture 3">
-            <a:extLst>
-              <a:ext uri="{FF2B5EF4-FFF2-40B4-BE49-F238E27FC236}">
-                <a16:creationId xmlns:a16="http://schemas.microsoft.com/office/drawing/2014/main" id="{7F9B8153-3D80-8BA7-421F-54A616362FC6}"/>
-              </a:ext>
-            </a:extLst>
-          </p:cNvPr>
-          <p:cNvPicPr>
-            <a:picLocks noChangeAspect="1"/>
-          </p:cNvPicPr>
-          <p:nvPr/>
-        </p:nvPicPr>
-        <p:blipFill>
-          <a:blip r:embed="rId2"/>
-          <a:stretch>
-            <a:fillRect/>
-          </a:stretch>
-        </p:blipFill>
-        <p:spPr>
-          <a:xfrm>
-            <a:off x="5131978" y="55219"/>
-            <a:ext cx="6982915" cy="1698936"/>
-          </a:xfrm>
-          <a:prstGeom prst="rect">
-            <a:avLst/>
-          </a:prstGeom>
-        </p:spPr>
-      </p:pic>
+          <a:p>
+            <a:pPr lvl="1"/>
+            <a:r>
+              <a:rPr lang="en-US" dirty="0"/>
+              <a:t>Design considerations and MVC ideal. </a:t>
+            </a:r>
+          </a:p>
+          <a:p>
+            <a:r>
+              <a:rPr lang="en-US" dirty="0"/>
+              <a:t>Note: no class on the 12</a:t>
+            </a:r>
+            <a:r>
+              <a:rPr lang="en-US" baseline="30000" dirty="0"/>
+              <a:t>th</a:t>
+            </a:r>
+            <a:r>
+              <a:rPr lang="en-US" dirty="0"/>
+              <a:t>, it is a NAIT holiday. </a:t>
+            </a:r>
+          </a:p>
+          <a:p>
+            <a:r>
+              <a:rPr lang="en-US" dirty="0"/>
+              <a:t>Test…</a:t>
+            </a:r>
+          </a:p>
+        </p:txBody>
+      </p:sp>
     </p:spTree>
     <p:extLst>
       <p:ext uri="{BB962C8B-B14F-4D97-AF65-F5344CB8AC3E}">
@@ -7685,7 +7659,7 @@
           <p:cNvPr id="2" name="Title 1">
             <a:extLst>
               <a:ext uri="{FF2B5EF4-FFF2-40B4-BE49-F238E27FC236}">
-                <a16:creationId xmlns:a16="http://schemas.microsoft.com/office/drawing/2014/main" id="{4668925F-3981-A9FF-73A9-3D5DBFE67A42}"/>
+                <a16:creationId xmlns:a16="http://schemas.microsoft.com/office/drawing/2014/main" id="{87E9A66A-3AEC-09F6-33B9-269C957C1696}"/>
               </a:ext>
             </a:extLst>
           </p:cNvPr>
@@ -7701,10 +7675,7 @@
           <a:bodyPr/>
           <a:lstStyle/>
           <a:p>
-            <a:r>
-              <a:rPr lang="en-US" dirty="0"/>
-              <a:t>Applying MVC…</a:t>
-            </a:r>
+            <a:endParaRPr lang="en-US"/>
           </a:p>
         </p:txBody>
       </p:sp>
@@ -7713,7 +7684,7 @@
           <p:cNvPr id="3" name="Content Placeholder 2">
             <a:extLst>
               <a:ext uri="{FF2B5EF4-FFF2-40B4-BE49-F238E27FC236}">
-                <a16:creationId xmlns:a16="http://schemas.microsoft.com/office/drawing/2014/main" id="{04F8AD3B-1134-1C17-E1E9-14015A4C41CF}"/>
+                <a16:creationId xmlns:a16="http://schemas.microsoft.com/office/drawing/2014/main" id="{B31264AD-C156-2638-B8C6-8E74C4A16E3A}"/>
               </a:ext>
             </a:extLst>
           </p:cNvPr>
@@ -7724,88 +7695,64 @@
             <p:ph idx="1"/>
           </p:nvPr>
         </p:nvSpPr>
-        <p:spPr>
+        <p:spPr/>
+        <p:txBody>
+          <a:bodyPr/>
+          <a:lstStyle/>
+          <a:p>
+            <a:endParaRPr lang="en-US"/>
+          </a:p>
+        </p:txBody>
+      </p:sp>
+      <p:pic>
+        <p:nvPicPr>
+          <p:cNvPr id="3076" name="Picture 4" descr="Model View Controller (MVC) Pattern- Scaler Topics">
+            <a:extLst>
+              <a:ext uri="{FF2B5EF4-FFF2-40B4-BE49-F238E27FC236}">
+                <a16:creationId xmlns:a16="http://schemas.microsoft.com/office/drawing/2014/main" id="{269EF4B6-EE60-8637-0617-1386861E560F}"/>
+              </a:ext>
+            </a:extLst>
+          </p:cNvPr>
+          <p:cNvPicPr>
+            <a:picLocks noChangeAspect="1" noChangeArrowheads="1"/>
+          </p:cNvPicPr>
+          <p:nvPr/>
+        </p:nvPicPr>
+        <p:blipFill rotWithShape="1">
+          <a:blip r:embed="rId2">
+            <a:extLst>
+              <a:ext uri="{28A0092B-C50C-407E-A947-70E740481C1C}">
+                <a14:useLocalDpi xmlns:a14="http://schemas.microsoft.com/office/drawing/2010/main" val="0"/>
+              </a:ext>
+            </a:extLst>
+          </a:blip>
+          <a:srcRect t="5591" b="16272"/>
+          <a:stretch/>
+        </p:blipFill>
+        <p:spPr bwMode="auto">
           <a:xfrm>
-            <a:off x="1451579" y="1853754"/>
-            <a:ext cx="9962655" cy="4199727"/>
+            <a:off x="1372701" y="0"/>
+            <a:ext cx="9446598" cy="6887007"/>
           </a:xfrm>
+          <a:prstGeom prst="rect">
+            <a:avLst/>
+          </a:prstGeom>
+          <a:noFill/>
+          <a:extLst>
+            <a:ext uri="{909E8E84-426E-40DD-AFC4-6F175D3DCCD1}">
+              <a14:hiddenFill xmlns:a14="http://schemas.microsoft.com/office/drawing/2010/main">
+                <a:solidFill>
+                  <a:srgbClr val="FFFFFF"/>
+                </a:solidFill>
+              </a14:hiddenFill>
+            </a:ext>
+          </a:extLst>
         </p:spPr>
-        <p:txBody>
-          <a:bodyPr/>
-          <a:lstStyle/>
-          <a:p>
-            <a:r>
-              <a:rPr lang="en-US" dirty="0"/>
-              <a:t>The model/view/controller concept is a simple thing to follow conceptually. </a:t>
-            </a:r>
-          </a:p>
-          <a:p>
-            <a:r>
-              <a:rPr lang="en-US" dirty="0"/>
-              <a:t>Each portion should be separate:</a:t>
-            </a:r>
-          </a:p>
-          <a:p>
-            <a:pPr lvl="1"/>
-            <a:r>
-              <a:rPr lang="en-US" dirty="0"/>
-              <a:t>e.g. we don’t have code to display values wrapped up in our other code (like an object we make). </a:t>
-            </a:r>
-          </a:p>
-          <a:p>
-            <a:pPr lvl="1"/>
-            <a:r>
-              <a:rPr lang="en-US" dirty="0"/>
-              <a:t>The user isn’t directly interacting with data, they send actions to the controller. </a:t>
-            </a:r>
-          </a:p>
-          <a:p>
-            <a:r>
-              <a:rPr lang="en-US" dirty="0"/>
-              <a:t>For our cards example:</a:t>
-            </a:r>
-          </a:p>
-          <a:p>
-            <a:pPr lvl="1"/>
-            <a:r>
-              <a:rPr lang="en-US" dirty="0"/>
-              <a:t>We want to work towards the point where any action is a function call to our game. </a:t>
-            </a:r>
-          </a:p>
-          <a:p>
-            <a:pPr lvl="1"/>
-            <a:r>
-              <a:rPr lang="en-US" dirty="0"/>
-              <a:t>Get the data out of the model and present it in any view we choose. </a:t>
-            </a:r>
-          </a:p>
-          <a:p>
-            <a:pPr lvl="1"/>
-            <a:r>
-              <a:rPr lang="en-US" dirty="0"/>
-              <a:t>Calls to bet/fold/whatever are made through the API we make for the controller. </a:t>
-            </a:r>
-          </a:p>
-          <a:p>
-            <a:pPr lvl="1"/>
-            <a:r>
-              <a:rPr lang="en-US" dirty="0"/>
-              <a:t>The data that is impacted by all of this is held inside our objects, and is only impacted as above. </a:t>
-            </a:r>
-          </a:p>
-          <a:p>
-            <a:pPr lvl="1"/>
-            <a:r>
-              <a:rPr lang="en-US" dirty="0"/>
-              <a:t>The only change if we want a GUI is the view presents differently and the controller inputs diff.</a:t>
-            </a:r>
-          </a:p>
-        </p:txBody>
-      </p:sp>
+      </p:pic>
     </p:spTree>
     <p:extLst>
       <p:ext uri="{BB962C8B-B14F-4D97-AF65-F5344CB8AC3E}">
-        <p14:creationId xmlns:p14="http://schemas.microsoft.com/office/powerpoint/2010/main" val="2039218799"/>
+        <p14:creationId xmlns:p14="http://schemas.microsoft.com/office/powerpoint/2010/main" val="13807911"/>
       </p:ext>
     </p:extLst>
   </p:cSld>
@@ -7816,6 +7763,133 @@
 </file>
 
 <file path=ppt/slides/slide35.xml><?xml version="1.0" encoding="utf-8"?>
+<p:sld xmlns:a="http://schemas.openxmlformats.org/drawingml/2006/main" xmlns:r="http://schemas.openxmlformats.org/officeDocument/2006/relationships" xmlns:p="http://schemas.openxmlformats.org/presentationml/2006/main" show="0">
+  <p:cSld>
+    <p:spTree>
+      <p:nvGrpSpPr>
+        <p:cNvPr id="1" name=""/>
+        <p:cNvGrpSpPr/>
+        <p:nvPr/>
+      </p:nvGrpSpPr>
+      <p:grpSpPr>
+        <a:xfrm>
+          <a:off x="0" y="0"/>
+          <a:ext cx="0" cy="0"/>
+          <a:chOff x="0" y="0"/>
+          <a:chExt cx="0" cy="0"/>
+        </a:xfrm>
+      </p:grpSpPr>
+      <p:sp>
+        <p:nvSpPr>
+          <p:cNvPr id="2" name="Title 1">
+            <a:extLst>
+              <a:ext uri="{FF2B5EF4-FFF2-40B4-BE49-F238E27FC236}">
+                <a16:creationId xmlns:a16="http://schemas.microsoft.com/office/drawing/2014/main" id="{AB5B5979-0CBC-0246-954E-A8B935CBA98B}"/>
+              </a:ext>
+            </a:extLst>
+          </p:cNvPr>
+          <p:cNvSpPr>
+            <a:spLocks noGrp="1"/>
+          </p:cNvSpPr>
+          <p:nvPr>
+            <p:ph type="title"/>
+          </p:nvPr>
+        </p:nvSpPr>
+        <p:spPr/>
+        <p:txBody>
+          <a:bodyPr/>
+          <a:lstStyle/>
+          <a:p>
+            <a:endParaRPr lang="en-US"/>
+          </a:p>
+        </p:txBody>
+      </p:sp>
+      <p:sp>
+        <p:nvSpPr>
+          <p:cNvPr id="3" name="Content Placeholder 2">
+            <a:extLst>
+              <a:ext uri="{FF2B5EF4-FFF2-40B4-BE49-F238E27FC236}">
+                <a16:creationId xmlns:a16="http://schemas.microsoft.com/office/drawing/2014/main" id="{F99DFC26-3A8E-05AC-AEFB-C5C1FE18A01E}"/>
+              </a:ext>
+            </a:extLst>
+          </p:cNvPr>
+          <p:cNvSpPr>
+            <a:spLocks noGrp="1"/>
+          </p:cNvSpPr>
+          <p:nvPr>
+            <p:ph idx="1"/>
+          </p:nvPr>
+        </p:nvSpPr>
+        <p:spPr/>
+        <p:txBody>
+          <a:bodyPr/>
+          <a:lstStyle/>
+          <a:p>
+            <a:endParaRPr lang="en-US"/>
+          </a:p>
+        </p:txBody>
+      </p:sp>
+      <p:pic>
+        <p:nvPicPr>
+          <p:cNvPr id="4098" name="Picture 2" descr="Other Patterns">
+            <a:extLst>
+              <a:ext uri="{FF2B5EF4-FFF2-40B4-BE49-F238E27FC236}">
+                <a16:creationId xmlns:a16="http://schemas.microsoft.com/office/drawing/2014/main" id="{B9F9C2F2-FC1F-4FFC-D51E-9F472695CD53}"/>
+              </a:ext>
+            </a:extLst>
+          </p:cNvPr>
+          <p:cNvPicPr>
+            <a:picLocks noChangeAspect="1" noChangeArrowheads="1"/>
+          </p:cNvPicPr>
+          <p:nvPr/>
+        </p:nvPicPr>
+        <p:blipFill>
+          <a:blip r:embed="rId2">
+            <a:extLst>
+              <a:ext uri="{28A0092B-C50C-407E-A947-70E740481C1C}">
+                <a14:useLocalDpi xmlns:a14="http://schemas.microsoft.com/office/drawing/2010/main" val="0"/>
+              </a:ext>
+            </a:extLst>
+          </a:blip>
+          <a:srcRect/>
+          <a:stretch>
+            <a:fillRect/>
+          </a:stretch>
+        </p:blipFill>
+        <p:spPr bwMode="auto">
+          <a:xfrm>
+            <a:off x="1" y="353961"/>
+            <a:ext cx="12151460" cy="6170664"/>
+          </a:xfrm>
+          <a:prstGeom prst="rect">
+            <a:avLst/>
+          </a:prstGeom>
+          <a:noFill/>
+          <a:extLst>
+            <a:ext uri="{909E8E84-426E-40DD-AFC4-6F175D3DCCD1}">
+              <a14:hiddenFill xmlns:a14="http://schemas.microsoft.com/office/drawing/2010/main">
+                <a:solidFill>
+                  <a:srgbClr val="FFFFFF"/>
+                </a:solidFill>
+              </a14:hiddenFill>
+            </a:ext>
+          </a:extLst>
+        </p:spPr>
+      </p:pic>
+    </p:spTree>
+    <p:extLst>
+      <p:ext uri="{BB962C8B-B14F-4D97-AF65-F5344CB8AC3E}">
+        <p14:creationId xmlns:p14="http://schemas.microsoft.com/office/powerpoint/2010/main" val="1230951778"/>
+      </p:ext>
+    </p:extLst>
+  </p:cSld>
+  <p:clrMapOvr>
+    <a:masterClrMapping/>
+  </p:clrMapOvr>
+</p:sld>
+</file>
+
+<file path=ppt/slides/slide36.xml><?xml version="1.0" encoding="utf-8"?>
 <p:sld xmlns:a="http://schemas.openxmlformats.org/drawingml/2006/main" xmlns:r="http://schemas.openxmlformats.org/officeDocument/2006/relationships" xmlns:p="http://schemas.openxmlformats.org/presentationml/2006/main">
   <p:cSld>
     <p:spTree>
@@ -7837,6 +7911,167 @@
           <p:cNvPr id="2" name="Title 1">
             <a:extLst>
               <a:ext uri="{FF2B5EF4-FFF2-40B4-BE49-F238E27FC236}">
+                <a16:creationId xmlns:a16="http://schemas.microsoft.com/office/drawing/2014/main" id="{4668925F-3981-A9FF-73A9-3D5DBFE67A42}"/>
+              </a:ext>
+            </a:extLst>
+          </p:cNvPr>
+          <p:cNvSpPr>
+            <a:spLocks noGrp="1"/>
+          </p:cNvSpPr>
+          <p:nvPr>
+            <p:ph type="title"/>
+          </p:nvPr>
+        </p:nvSpPr>
+        <p:spPr/>
+        <p:txBody>
+          <a:bodyPr/>
+          <a:lstStyle/>
+          <a:p>
+            <a:r>
+              <a:rPr lang="en-US" dirty="0"/>
+              <a:t>Applying MVC…</a:t>
+            </a:r>
+          </a:p>
+        </p:txBody>
+      </p:sp>
+      <p:sp>
+        <p:nvSpPr>
+          <p:cNvPr id="3" name="Content Placeholder 2">
+            <a:extLst>
+              <a:ext uri="{FF2B5EF4-FFF2-40B4-BE49-F238E27FC236}">
+                <a16:creationId xmlns:a16="http://schemas.microsoft.com/office/drawing/2014/main" id="{04F8AD3B-1134-1C17-E1E9-14015A4C41CF}"/>
+              </a:ext>
+            </a:extLst>
+          </p:cNvPr>
+          <p:cNvSpPr>
+            <a:spLocks noGrp="1"/>
+          </p:cNvSpPr>
+          <p:nvPr>
+            <p:ph idx="1"/>
+          </p:nvPr>
+        </p:nvSpPr>
+        <p:spPr>
+          <a:xfrm>
+            <a:off x="1451579" y="1853754"/>
+            <a:ext cx="9962655" cy="4199727"/>
+          </a:xfrm>
+        </p:spPr>
+        <p:txBody>
+          <a:bodyPr>
+            <a:normAutofit fontScale="92500" lnSpcReduction="10000"/>
+          </a:bodyPr>
+          <a:lstStyle/>
+          <a:p>
+            <a:r>
+              <a:rPr lang="en-US" dirty="0"/>
+              <a:t>The model/view/controller concept is a simple thing to follow conceptually. </a:t>
+            </a:r>
+          </a:p>
+          <a:p>
+            <a:r>
+              <a:rPr lang="en-US" dirty="0"/>
+              <a:t>Each portion should be separate:</a:t>
+            </a:r>
+          </a:p>
+          <a:p>
+            <a:pPr lvl="1"/>
+            <a:r>
+              <a:rPr lang="en-US" dirty="0"/>
+              <a:t>e.g. we don’t have code to display values wrapped up in our other code (like an object we make). </a:t>
+            </a:r>
+          </a:p>
+          <a:p>
+            <a:pPr lvl="2"/>
+            <a:r>
+              <a:rPr lang="en-US" dirty="0"/>
+              <a:t>E.g. a __str__ function doesn’t print, it returns a string to be displayed as desired. </a:t>
+            </a:r>
+          </a:p>
+          <a:p>
+            <a:pPr lvl="1"/>
+            <a:r>
+              <a:rPr lang="en-US" dirty="0"/>
+              <a:t>The user isn’t directly interacting with data, they send actions to the controller. </a:t>
+            </a:r>
+          </a:p>
+          <a:p>
+            <a:r>
+              <a:rPr lang="en-US" dirty="0"/>
+              <a:t>For our cards example:</a:t>
+            </a:r>
+          </a:p>
+          <a:p>
+            <a:pPr lvl="1"/>
+            <a:r>
+              <a:rPr lang="en-US" dirty="0"/>
+              <a:t>We want to work towards the point where any action is a function call to our game. </a:t>
+            </a:r>
+          </a:p>
+          <a:p>
+            <a:pPr lvl="1"/>
+            <a:r>
+              <a:rPr lang="en-US" dirty="0"/>
+              <a:t>Get the data out of the model and present it in any view we choose. </a:t>
+            </a:r>
+          </a:p>
+          <a:p>
+            <a:pPr lvl="1"/>
+            <a:r>
+              <a:rPr lang="en-US" dirty="0"/>
+              <a:t>Calls to bet/fold/whatever are made through the API we make for the controller. </a:t>
+            </a:r>
+          </a:p>
+          <a:p>
+            <a:pPr lvl="1"/>
+            <a:r>
+              <a:rPr lang="en-US" dirty="0"/>
+              <a:t>The data that is impacted by all of this is held inside our objects, and is only impacted as above. </a:t>
+            </a:r>
+          </a:p>
+          <a:p>
+            <a:pPr lvl="1"/>
+            <a:r>
+              <a:rPr lang="en-US" dirty="0"/>
+              <a:t>The only change if we want a GUI is the view presents differently and the controller inputs diff.</a:t>
+            </a:r>
+          </a:p>
+        </p:txBody>
+      </p:sp>
+    </p:spTree>
+    <p:extLst>
+      <p:ext uri="{BB962C8B-B14F-4D97-AF65-F5344CB8AC3E}">
+        <p14:creationId xmlns:p14="http://schemas.microsoft.com/office/powerpoint/2010/main" val="2039218799"/>
+      </p:ext>
+    </p:extLst>
+  </p:cSld>
+  <p:clrMapOvr>
+    <a:masterClrMapping/>
+  </p:clrMapOvr>
+</p:sld>
+</file>
+
+<file path=ppt/slides/slide37.xml><?xml version="1.0" encoding="utf-8"?>
+<p:sld xmlns:a="http://schemas.openxmlformats.org/drawingml/2006/main" xmlns:r="http://schemas.openxmlformats.org/officeDocument/2006/relationships" xmlns:p="http://schemas.openxmlformats.org/presentationml/2006/main">
+  <p:cSld>
+    <p:spTree>
+      <p:nvGrpSpPr>
+        <p:cNvPr id="1" name=""/>
+        <p:cNvGrpSpPr/>
+        <p:nvPr/>
+      </p:nvGrpSpPr>
+      <p:grpSpPr>
+        <a:xfrm>
+          <a:off x="0" y="0"/>
+          <a:ext cx="0" cy="0"/>
+          <a:chOff x="0" y="0"/>
+          <a:chExt cx="0" cy="0"/>
+        </a:xfrm>
+      </p:grpSpPr>
+      <p:sp>
+        <p:nvSpPr>
+          <p:cNvPr id="2" name="Title 1">
+            <a:extLst>
+              <a:ext uri="{FF2B5EF4-FFF2-40B4-BE49-F238E27FC236}">
                 <a16:creationId xmlns:a16="http://schemas.microsoft.com/office/drawing/2014/main" id="{17A93D42-9A37-C833-1A0D-3E98C5545B3E}"/>
               </a:ext>
             </a:extLst>
@@ -7967,7 +8202,7 @@
 </p:sld>
 </file>
 
-<file path=ppt/slides/slide36.xml><?xml version="1.0" encoding="utf-8"?>
+<file path=ppt/slides/slide38.xml><?xml version="1.0" encoding="utf-8"?>
 <p:sld xmlns:a="http://schemas.openxmlformats.org/drawingml/2006/main" xmlns:r="http://schemas.openxmlformats.org/officeDocument/2006/relationships" xmlns:p="http://schemas.openxmlformats.org/presentationml/2006/main">
   <p:cSld>
     <p:spTree>
@@ -8556,7 +8791,7 @@
           <a:p>
             <a:r>
               <a:rPr lang="en-US" dirty="0"/>
-              <a:t>It’s common for people to make their lives harder by redoing things. </a:t>
+              <a:t>It’s common for people to make their lives harder by redoing things more than they really need to. </a:t>
             </a:r>
           </a:p>
           <a:p>
